--- a/Presentation-WPS Office.pptx
+++ b/Presentation-WPS Office.pptx
@@ -2,24 +2,25 @@
 <file path=ppt/presentation.xml><?xml version="1.0" encoding="utf-8"?>
 <p:presentation xmlns:p="http://schemas.openxmlformats.org/presentationml/2006/main" xmlns:r="http://schemas.openxmlformats.org/officeDocument/2006/relationships" xmlns:a="http://schemas.openxmlformats.org/drawingml/2006/main">
   <p:sldMasterIdLst>
-    <p:sldMasterId id="2147483648" r:id="rId1"/>
+    <p:sldMasterId id="2147483672" r:id="rId1"/>
   </p:sldMasterIdLst>
   <p:notesMasterIdLst>
     <p:notesMasterId r:id="rId2"/>
   </p:notesMasterIdLst>
   <p:sldIdLst>
-    <p:sldId id="257" r:id="rId3"/>
-    <p:sldId id="258" r:id="rId4"/>
-    <p:sldId id="259" r:id="rId5"/>
-    <p:sldId id="260" r:id="rId6"/>
-    <p:sldId id="261" r:id="rId7"/>
-    <p:sldId id="262" r:id="rId8"/>
-    <p:sldId id="263" r:id="rId9"/>
-    <p:sldId id="264" r:id="rId10"/>
-    <p:sldId id="265" r:id="rId11"/>
-    <p:sldId id="266" r:id="rId12"/>
-    <p:sldId id="267" r:id="rId13"/>
-    <p:sldId id="268" r:id="rId14"/>
+    <p:sldId id="283" r:id="rId3"/>
+    <p:sldId id="284" r:id="rId4"/>
+    <p:sldId id="285" r:id="rId5"/>
+    <p:sldId id="286" r:id="rId6"/>
+    <p:sldId id="287" r:id="rId7"/>
+    <p:sldId id="288" r:id="rId8"/>
+    <p:sldId id="289" r:id="rId9"/>
+    <p:sldId id="290" r:id="rId10"/>
+    <p:sldId id="291" r:id="rId11"/>
+    <p:sldId id="292" r:id="rId12"/>
+    <p:sldId id="293" r:id="rId13"/>
+    <p:sldId id="294" r:id="rId14"/>
+    <p:sldId id="295" r:id="rId15"/>
   </p:sldIdLst>
   <p:sldSz type="screen16x9" cy="6858000" cx="12192000"/>
   <p:notesSz cx="6858000" cy="9144000"/>
@@ -2943,17 +2944,17 @@
   </p:cSld>
   <p:clrMap accent1="accent1" accent2="accent2" accent3="accent3" accent4="accent4" accent5="accent5" accent6="accent6" bg1="lt1" bg2="lt2" tx1="dk1" tx2="dk2" hlink="hlink" folHlink="folHlink"/>
   <p:sldLayoutIdLst>
-    <p:sldLayoutId id="2147483649" r:id="rId1"/>
-    <p:sldLayoutId id="2147483650" r:id="rId2"/>
-    <p:sldLayoutId id="2147483651" r:id="rId3"/>
-    <p:sldLayoutId id="2147483652" r:id="rId4"/>
-    <p:sldLayoutId id="2147483653" r:id="rId5"/>
-    <p:sldLayoutId id="2147483654" r:id="rId6"/>
-    <p:sldLayoutId id="2147483655" r:id="rId7"/>
-    <p:sldLayoutId id="2147483656" r:id="rId8"/>
-    <p:sldLayoutId id="2147483657" r:id="rId9"/>
-    <p:sldLayoutId id="2147483658" r:id="rId10"/>
-    <p:sldLayoutId id="2147483659" r:id="rId11"/>
+    <p:sldLayoutId id="2147483673" r:id="rId1"/>
+    <p:sldLayoutId id="2147483674" r:id="rId2"/>
+    <p:sldLayoutId id="2147483675" r:id="rId3"/>
+    <p:sldLayoutId id="2147483676" r:id="rId4"/>
+    <p:sldLayoutId id="2147483677" r:id="rId5"/>
+    <p:sldLayoutId id="2147483678" r:id="rId6"/>
+    <p:sldLayoutId id="2147483679" r:id="rId7"/>
+    <p:sldLayoutId id="2147483680" r:id="rId8"/>
+    <p:sldLayoutId id="2147483681" r:id="rId9"/>
+    <p:sldLayoutId id="2147483682" r:id="rId10"/>
+    <p:sldLayoutId id="2147483683" r:id="rId11"/>
   </p:sldLayoutIdLst>
   <p:hf dt="0" ftr="0" hdr="0" sldNum="0"/>
   <p:txStyles>
@@ -4273,7 +4274,7 @@
       </p:grpSpPr>
       <p:pic>
         <p:nvPicPr>
-          <p:cNvPr id="2097155" name=""/>
+          <p:cNvPr id="2097153" name=""/>
           <p:cNvPicPr>
             <a:picLocks/>
           </p:cNvPicPr>
@@ -4315,97 +4316,85 @@
       </p:grpSpPr>
       <p:sp>
         <p:nvSpPr>
-          <p:cNvPr id="1048594" name="Text Box 1"/>
+          <p:cNvPr id="1048656" name=""/>
           <p:cNvSpPr txBox="1"/>
           <p:nvPr/>
         </p:nvSpPr>
         <p:spPr>
           <a:xfrm>
-            <a:off x="0" y="0"/>
-            <a:ext cx="11892915" cy="6777990"/>
+            <a:off x="1994116" y="4239933"/>
+            <a:ext cx="8203768" cy="929640"/>
           </a:xfrm>
           <a:prstGeom prst="rect"/>
         </p:spPr>
         <p:txBody>
-          <a:bodyPr>
-            <a:noAutofit/>
+          <a:bodyPr rtlCol="0" wrap="square">
+            <a:spAutoFit/>
           </a:bodyPr>
           <a:p>
-            <a:pPr algn="ctr" indent="0" marL="0">
-              <a:spcBef>
-                <a:spcPts val="900"/>
-              </a:spcBef>
-              <a:spcAft>
-                <a:spcPts val="600"/>
-              </a:spcAft>
-            </a:pPr>
-            <a:r>
-              <a:rPr b="1" sz="4400" i="0">
-                <a:solidFill>
-                  <a:srgbClr val="404040"/>
-                </a:solidFill>
-                <a:latin typeface="quote-cjk-patch"/>
-                <a:ea typeface="quote-cjk-patch"/>
-              </a:rPr>
-              <a:t>Conclusion</a:t>
-            </a:r>
-            <a:endParaRPr b="1" sz="4400" i="0">
-              <a:solidFill>
-                <a:srgbClr val="404040"/>
-              </a:solidFill>
-              <a:latin typeface="quote-cjk-patch"/>
-              <a:ea typeface="quote-cjk-patch"/>
-            </a:endParaRPr>
-          </a:p>
-          <a:p>
-            <a:pPr algn="ctr" indent="0" marL="0">
-              <a:spcBef>
-                <a:spcPts val="900"/>
-              </a:spcBef>
-              <a:spcAft>
-                <a:spcPts val="600"/>
-              </a:spcAft>
-            </a:pPr>
-            <a:endParaRPr b="1" i="0">
-              <a:solidFill>
-                <a:srgbClr val="404040"/>
-              </a:solidFill>
-              <a:latin typeface="quote-cjk-patch"/>
-              <a:ea typeface="quote-cjk-patch"/>
-            </a:endParaRPr>
-          </a:p>
-          <a:p>
-            <a:pPr indent="0" marL="0">
-              <a:lnSpc>
-                <a:spcPct val="100000"/>
-              </a:lnSpc>
-              <a:spcBef>
-                <a:spcPts val="600"/>
-              </a:spcBef>
-              <a:spcAft>
-                <a:spcPts val="600"/>
-              </a:spcAft>
-            </a:pPr>
-            <a:r>
-              <a:rPr b="0" sz="2800" i="0">
-                <a:solidFill>
-                  <a:srgbClr val="404040"/>
-                </a:solidFill>
-                <a:latin typeface="quote-cjk-patch"/>
-                <a:ea typeface="quote-cjk-patch"/>
-              </a:rPr>
-              <a:t>The "Smart Digital Portfolio" project successfully addresses the modern need for a dynamic and insightful professional presentation. By integrating traditional portfolio elements with powerful analytics and a personalized recommendation system, it empowers students to not only display their past achievements but also strategically plan their future skill development. This platform bridges the gap between students and opportunities effectively.</a:t>
-            </a:r>
-            <a:endParaRPr b="0" sz="2800" i="0">
-              <a:solidFill>
-                <a:srgbClr val="404040"/>
-              </a:solidFill>
-              <a:latin typeface="quote-cjk-patch"/>
-              <a:ea typeface="quote-cjk-patch"/>
+            <a:r>
+              <a:rPr sz="2800" lang="en-GB">
+                <a:solidFill>
+                  <a:srgbClr val="000000"/>
+                </a:solidFill>
+              </a:rPr>
+              <a:t>https://github.com/dhanush0986483-create/Dhanush_TNSDC_FWD_DP.git</a:t>
+            </a:r>
+            <a:endParaRPr sz="2800" lang="en-GB">
+              <a:solidFill>
+                <a:srgbClr val="000000"/>
+              </a:solidFill>
             </a:endParaRPr>
           </a:p>
         </p:txBody>
       </p:sp>
+    </p:spTree>
+  </p:cSld>
+  <p:clrMapOvr>
+    <a:masterClrMapping/>
+  </p:clrMapOvr>
+</p:sld>
+</file>
+
+<file path=ppt/slides/slide13.xml><?xml version="1.0" encoding="utf-8"?>
+<p:sld xmlns:a="http://schemas.openxmlformats.org/drawingml/2006/main" xmlns:r="http://schemas.openxmlformats.org/officeDocument/2006/relationships" xmlns:p="http://schemas.openxmlformats.org/presentationml/2006/main">
+  <p:cSld>
+    <p:spTree>
+      <p:nvGrpSpPr>
+        <p:cNvPr id="50" name=""/>
+        <p:cNvGrpSpPr/>
+        <p:nvPr/>
+      </p:nvGrpSpPr>
+      <p:grpSpPr>
+        <a:xfrm>
+          <a:off x="0" y="0"/>
+          <a:ext cx="0" cy="0"/>
+          <a:chOff x="0" y="0"/>
+          <a:chExt cx="0" cy="0"/>
+        </a:xfrm>
+      </p:grpSpPr>
+      <p:pic>
+        <p:nvPicPr>
+          <p:cNvPr id="2097155" name=""/>
+          <p:cNvPicPr>
+            <a:picLocks/>
+          </p:cNvPicPr>
+          <p:nvPr/>
+        </p:nvPicPr>
+        <p:blipFill>
+          <a:blip xmlns:r="http://schemas.openxmlformats.org/officeDocument/2006/relationships" r:embed="rId1"/>
+          <a:stretch>
+            <a:fillRect/>
+          </a:stretch>
+        </p:blipFill>
+        <p:spPr>
+          <a:xfrm rot="0">
+            <a:off x="12652" y="0"/>
+            <a:ext cx="12166696" cy="6858000"/>
+          </a:xfrm>
+          <a:prstGeom prst="rect"/>
+        </p:spPr>
+      </p:pic>
     </p:spTree>
   </p:cSld>
   <p:clrMapOvr>
